--- a/26_9_2016/beginners_workshop_3.pptx
+++ b/26_9_2016/beginners_workshop_3.pptx
@@ -19,6 +19,12 @@
     <p:sldId id="264" r:id="rId13"/>
     <p:sldId id="265" r:id="rId14"/>
     <p:sldId id="266" r:id="rId15"/>
+    <p:sldId id="267" r:id="rId16"/>
+    <p:sldId id="268" r:id="rId17"/>
+    <p:sldId id="269" r:id="rId18"/>
+    <p:sldId id="270" r:id="rId19"/>
+    <p:sldId id="271" r:id="rId20"/>
+    <p:sldId id="272" r:id="rId21"/>
   </p:sldIdLst>
   <p:sldSz cy="5143500" cx="9144000"/>
   <p:notesSz cx="6858000" cy="9144000"/>
@@ -620,6 +626,576 @@
       <p:sp>
         <p:nvSpPr>
           <p:cNvPr id="122" name="Shape 122"/>
+          <p:cNvSpPr txBox="1"/>
+          <p:nvPr>
+            <p:ph idx="1" type="body"/>
+          </p:nvPr>
+        </p:nvSpPr>
+        <p:spPr>
+          <a:xfrm>
+            <a:off x="685800" y="4343400"/>
+            <a:ext cx="5486400" cy="4114800"/>
+          </a:xfrm>
+          <a:prstGeom prst="rect">
+            <a:avLst/>
+          </a:prstGeom>
+        </p:spPr>
+        <p:txBody>
+          <a:bodyPr anchorCtr="0" anchor="t" bIns="91425" lIns="91425" rIns="91425" tIns="91425">
+            <a:noAutofit/>
+          </a:bodyPr>
+          <a:lstStyle/>
+          <a:p>
+            <a:pPr lvl="0" rtl="0">
+              <a:spcBef>
+                <a:spcPts val="0"/>
+              </a:spcBef>
+              <a:buNone/>
+            </a:pPr>
+            <a:r>
+              <a:t/>
+            </a:r>
+            <a:endParaRPr/>
+          </a:p>
+        </p:txBody>
+      </p:sp>
+    </p:spTree>
+  </p:cSld>
+  <p:clrMapOvr>
+    <a:masterClrMapping/>
+  </p:clrMapOvr>
+</p:notes>
+</file>
+
+<file path=ppt/notesSlides/notesSlide12.xml><?xml version="1.0" encoding="utf-8"?>
+<p:notes xmlns:a="http://schemas.openxmlformats.org/drawingml/2006/main" xmlns:r="http://schemas.openxmlformats.org/officeDocument/2006/relationships" xmlns:mc="http://schemas.openxmlformats.org/markup-compatibility/2006" xmlns:mv="urn:schemas-microsoft-com:mac:vml" xmlns:p="http://schemas.openxmlformats.org/presentationml/2006/main" xmlns:c="http://schemas.openxmlformats.org/drawingml/2006/chart" xmlns:dgm="http://schemas.openxmlformats.org/drawingml/2006/diagram" xmlns:o="urn:schemas-microsoft-com:office:office" xmlns:v="urn:schemas-microsoft-com:vml" xmlns:pvml="urn:schemas-microsoft-com:office:powerpoint" xmlns:com="http://schemas.openxmlformats.org/drawingml/2006/compatibility" xmlns:p14="http://schemas.microsoft.com/office/powerpoint/2010/main" showMasterPhAnim="0" showMasterSp="0">
+  <p:cSld>
+    <p:spTree>
+      <p:nvGrpSpPr>
+        <p:cNvPr id="127" name="Shape 127"/>
+        <p:cNvGrpSpPr/>
+        <p:nvPr/>
+      </p:nvGrpSpPr>
+      <p:grpSpPr>
+        <a:xfrm>
+          <a:off x="0" y="0"/>
+          <a:ext cx="0" cy="0"/>
+          <a:chOff x="0" y="0"/>
+          <a:chExt cx="0" cy="0"/>
+        </a:xfrm>
+      </p:grpSpPr>
+      <p:sp>
+        <p:nvSpPr>
+          <p:cNvPr id="128" name="Shape 128"/>
+          <p:cNvSpPr/>
+          <p:nvPr>
+            <p:ph idx="2" type="sldImg"/>
+          </p:nvPr>
+        </p:nvSpPr>
+        <p:spPr>
+          <a:xfrm>
+            <a:off x="381300" y="685800"/>
+            <a:ext cx="6096000" cy="3429000"/>
+          </a:xfrm>
+          <a:custGeom>
+            <a:pathLst>
+              <a:path extrusionOk="0" h="120000" w="120000">
+                <a:moveTo>
+                  <a:pt x="0" y="0"/>
+                </a:moveTo>
+                <a:lnTo>
+                  <a:pt x="120000" y="0"/>
+                </a:lnTo>
+                <a:lnTo>
+                  <a:pt x="120000" y="120000"/>
+                </a:lnTo>
+                <a:lnTo>
+                  <a:pt x="0" y="120000"/>
+                </a:lnTo>
+                <a:close/>
+              </a:path>
+            </a:pathLst>
+          </a:custGeom>
+        </p:spPr>
+      </p:sp>
+      <p:sp>
+        <p:nvSpPr>
+          <p:cNvPr id="129" name="Shape 129"/>
+          <p:cNvSpPr txBox="1"/>
+          <p:nvPr>
+            <p:ph idx="1" type="body"/>
+          </p:nvPr>
+        </p:nvSpPr>
+        <p:spPr>
+          <a:xfrm>
+            <a:off x="685800" y="4343400"/>
+            <a:ext cx="5486400" cy="4114800"/>
+          </a:xfrm>
+          <a:prstGeom prst="rect">
+            <a:avLst/>
+          </a:prstGeom>
+        </p:spPr>
+        <p:txBody>
+          <a:bodyPr anchorCtr="0" anchor="t" bIns="91425" lIns="91425" rIns="91425" tIns="91425">
+            <a:noAutofit/>
+          </a:bodyPr>
+          <a:lstStyle/>
+          <a:p>
+            <a:pPr lvl="0" rtl="0">
+              <a:spcBef>
+                <a:spcPts val="0"/>
+              </a:spcBef>
+              <a:buNone/>
+            </a:pPr>
+            <a:r>
+              <a:t/>
+            </a:r>
+            <a:endParaRPr/>
+          </a:p>
+        </p:txBody>
+      </p:sp>
+    </p:spTree>
+  </p:cSld>
+  <p:clrMapOvr>
+    <a:masterClrMapping/>
+  </p:clrMapOvr>
+</p:notes>
+</file>
+
+<file path=ppt/notesSlides/notesSlide13.xml><?xml version="1.0" encoding="utf-8"?>
+<p:notes xmlns:a="http://schemas.openxmlformats.org/drawingml/2006/main" xmlns:r="http://schemas.openxmlformats.org/officeDocument/2006/relationships" xmlns:mc="http://schemas.openxmlformats.org/markup-compatibility/2006" xmlns:mv="urn:schemas-microsoft-com:mac:vml" xmlns:p="http://schemas.openxmlformats.org/presentationml/2006/main" xmlns:c="http://schemas.openxmlformats.org/drawingml/2006/chart" xmlns:dgm="http://schemas.openxmlformats.org/drawingml/2006/diagram" xmlns:o="urn:schemas-microsoft-com:office:office" xmlns:v="urn:schemas-microsoft-com:vml" xmlns:pvml="urn:schemas-microsoft-com:office:powerpoint" xmlns:com="http://schemas.openxmlformats.org/drawingml/2006/compatibility" xmlns:p14="http://schemas.microsoft.com/office/powerpoint/2010/main" showMasterPhAnim="0" showMasterSp="0">
+  <p:cSld>
+    <p:spTree>
+      <p:nvGrpSpPr>
+        <p:cNvPr id="134" name="Shape 134"/>
+        <p:cNvGrpSpPr/>
+        <p:nvPr/>
+      </p:nvGrpSpPr>
+      <p:grpSpPr>
+        <a:xfrm>
+          <a:off x="0" y="0"/>
+          <a:ext cx="0" cy="0"/>
+          <a:chOff x="0" y="0"/>
+          <a:chExt cx="0" cy="0"/>
+        </a:xfrm>
+      </p:grpSpPr>
+      <p:sp>
+        <p:nvSpPr>
+          <p:cNvPr id="135" name="Shape 135"/>
+          <p:cNvSpPr/>
+          <p:nvPr>
+            <p:ph idx="2" type="sldImg"/>
+          </p:nvPr>
+        </p:nvSpPr>
+        <p:spPr>
+          <a:xfrm>
+            <a:off x="381300" y="685800"/>
+            <a:ext cx="6096000" cy="3429000"/>
+          </a:xfrm>
+          <a:custGeom>
+            <a:pathLst>
+              <a:path extrusionOk="0" h="120000" w="120000">
+                <a:moveTo>
+                  <a:pt x="0" y="0"/>
+                </a:moveTo>
+                <a:lnTo>
+                  <a:pt x="120000" y="0"/>
+                </a:lnTo>
+                <a:lnTo>
+                  <a:pt x="120000" y="120000"/>
+                </a:lnTo>
+                <a:lnTo>
+                  <a:pt x="0" y="120000"/>
+                </a:lnTo>
+                <a:close/>
+              </a:path>
+            </a:pathLst>
+          </a:custGeom>
+        </p:spPr>
+      </p:sp>
+      <p:sp>
+        <p:nvSpPr>
+          <p:cNvPr id="136" name="Shape 136"/>
+          <p:cNvSpPr txBox="1"/>
+          <p:nvPr>
+            <p:ph idx="1" type="body"/>
+          </p:nvPr>
+        </p:nvSpPr>
+        <p:spPr>
+          <a:xfrm>
+            <a:off x="685800" y="4343400"/>
+            <a:ext cx="5486400" cy="4114800"/>
+          </a:xfrm>
+          <a:prstGeom prst="rect">
+            <a:avLst/>
+          </a:prstGeom>
+        </p:spPr>
+        <p:txBody>
+          <a:bodyPr anchorCtr="0" anchor="t" bIns="91425" lIns="91425" rIns="91425" tIns="91425">
+            <a:noAutofit/>
+          </a:bodyPr>
+          <a:lstStyle/>
+          <a:p>
+            <a:pPr lvl="0" rtl="0">
+              <a:spcBef>
+                <a:spcPts val="0"/>
+              </a:spcBef>
+              <a:buNone/>
+            </a:pPr>
+            <a:r>
+              <a:t/>
+            </a:r>
+            <a:endParaRPr/>
+          </a:p>
+        </p:txBody>
+      </p:sp>
+    </p:spTree>
+  </p:cSld>
+  <p:clrMapOvr>
+    <a:masterClrMapping/>
+  </p:clrMapOvr>
+</p:notes>
+</file>
+
+<file path=ppt/notesSlides/notesSlide14.xml><?xml version="1.0" encoding="utf-8"?>
+<p:notes xmlns:a="http://schemas.openxmlformats.org/drawingml/2006/main" xmlns:r="http://schemas.openxmlformats.org/officeDocument/2006/relationships" xmlns:mc="http://schemas.openxmlformats.org/markup-compatibility/2006" xmlns:mv="urn:schemas-microsoft-com:mac:vml" xmlns:p="http://schemas.openxmlformats.org/presentationml/2006/main" xmlns:c="http://schemas.openxmlformats.org/drawingml/2006/chart" xmlns:dgm="http://schemas.openxmlformats.org/drawingml/2006/diagram" xmlns:o="urn:schemas-microsoft-com:office:office" xmlns:v="urn:schemas-microsoft-com:vml" xmlns:pvml="urn:schemas-microsoft-com:office:powerpoint" xmlns:com="http://schemas.openxmlformats.org/drawingml/2006/compatibility" xmlns:p14="http://schemas.microsoft.com/office/powerpoint/2010/main" showMasterPhAnim="0" showMasterSp="0">
+  <p:cSld>
+    <p:spTree>
+      <p:nvGrpSpPr>
+        <p:cNvPr id="141" name="Shape 141"/>
+        <p:cNvGrpSpPr/>
+        <p:nvPr/>
+      </p:nvGrpSpPr>
+      <p:grpSpPr>
+        <a:xfrm>
+          <a:off x="0" y="0"/>
+          <a:ext cx="0" cy="0"/>
+          <a:chOff x="0" y="0"/>
+          <a:chExt cx="0" cy="0"/>
+        </a:xfrm>
+      </p:grpSpPr>
+      <p:sp>
+        <p:nvSpPr>
+          <p:cNvPr id="142" name="Shape 142"/>
+          <p:cNvSpPr/>
+          <p:nvPr>
+            <p:ph idx="2" type="sldImg"/>
+          </p:nvPr>
+        </p:nvSpPr>
+        <p:spPr>
+          <a:xfrm>
+            <a:off x="381300" y="685800"/>
+            <a:ext cx="6096000" cy="3429000"/>
+          </a:xfrm>
+          <a:custGeom>
+            <a:pathLst>
+              <a:path extrusionOk="0" h="120000" w="120000">
+                <a:moveTo>
+                  <a:pt x="0" y="0"/>
+                </a:moveTo>
+                <a:lnTo>
+                  <a:pt x="120000" y="0"/>
+                </a:lnTo>
+                <a:lnTo>
+                  <a:pt x="120000" y="120000"/>
+                </a:lnTo>
+                <a:lnTo>
+                  <a:pt x="0" y="120000"/>
+                </a:lnTo>
+                <a:close/>
+              </a:path>
+            </a:pathLst>
+          </a:custGeom>
+        </p:spPr>
+      </p:sp>
+      <p:sp>
+        <p:nvSpPr>
+          <p:cNvPr id="143" name="Shape 143"/>
+          <p:cNvSpPr txBox="1"/>
+          <p:nvPr>
+            <p:ph idx="1" type="body"/>
+          </p:nvPr>
+        </p:nvSpPr>
+        <p:spPr>
+          <a:xfrm>
+            <a:off x="685800" y="4343400"/>
+            <a:ext cx="5486400" cy="4114800"/>
+          </a:xfrm>
+          <a:prstGeom prst="rect">
+            <a:avLst/>
+          </a:prstGeom>
+        </p:spPr>
+        <p:txBody>
+          <a:bodyPr anchorCtr="0" anchor="t" bIns="91425" lIns="91425" rIns="91425" tIns="91425">
+            <a:noAutofit/>
+          </a:bodyPr>
+          <a:lstStyle/>
+          <a:p>
+            <a:pPr lvl="0" rtl="0">
+              <a:spcBef>
+                <a:spcPts val="0"/>
+              </a:spcBef>
+              <a:buNone/>
+            </a:pPr>
+            <a:r>
+              <a:t/>
+            </a:r>
+            <a:endParaRPr/>
+          </a:p>
+        </p:txBody>
+      </p:sp>
+    </p:spTree>
+  </p:cSld>
+  <p:clrMapOvr>
+    <a:masterClrMapping/>
+  </p:clrMapOvr>
+</p:notes>
+</file>
+
+<file path=ppt/notesSlides/notesSlide15.xml><?xml version="1.0" encoding="utf-8"?>
+<p:notes xmlns:a="http://schemas.openxmlformats.org/drawingml/2006/main" xmlns:r="http://schemas.openxmlformats.org/officeDocument/2006/relationships" xmlns:mc="http://schemas.openxmlformats.org/markup-compatibility/2006" xmlns:mv="urn:schemas-microsoft-com:mac:vml" xmlns:p="http://schemas.openxmlformats.org/presentationml/2006/main" xmlns:c="http://schemas.openxmlformats.org/drawingml/2006/chart" xmlns:dgm="http://schemas.openxmlformats.org/drawingml/2006/diagram" xmlns:o="urn:schemas-microsoft-com:office:office" xmlns:v="urn:schemas-microsoft-com:vml" xmlns:pvml="urn:schemas-microsoft-com:office:powerpoint" xmlns:com="http://schemas.openxmlformats.org/drawingml/2006/compatibility" xmlns:p14="http://schemas.microsoft.com/office/powerpoint/2010/main" showMasterPhAnim="0" showMasterSp="0">
+  <p:cSld>
+    <p:spTree>
+      <p:nvGrpSpPr>
+        <p:cNvPr id="148" name="Shape 148"/>
+        <p:cNvGrpSpPr/>
+        <p:nvPr/>
+      </p:nvGrpSpPr>
+      <p:grpSpPr>
+        <a:xfrm>
+          <a:off x="0" y="0"/>
+          <a:ext cx="0" cy="0"/>
+          <a:chOff x="0" y="0"/>
+          <a:chExt cx="0" cy="0"/>
+        </a:xfrm>
+      </p:grpSpPr>
+      <p:sp>
+        <p:nvSpPr>
+          <p:cNvPr id="149" name="Shape 149"/>
+          <p:cNvSpPr/>
+          <p:nvPr>
+            <p:ph idx="2" type="sldImg"/>
+          </p:nvPr>
+        </p:nvSpPr>
+        <p:spPr>
+          <a:xfrm>
+            <a:off x="381300" y="685800"/>
+            <a:ext cx="6096000" cy="3429000"/>
+          </a:xfrm>
+          <a:custGeom>
+            <a:pathLst>
+              <a:path extrusionOk="0" h="120000" w="120000">
+                <a:moveTo>
+                  <a:pt x="0" y="0"/>
+                </a:moveTo>
+                <a:lnTo>
+                  <a:pt x="120000" y="0"/>
+                </a:lnTo>
+                <a:lnTo>
+                  <a:pt x="120000" y="120000"/>
+                </a:lnTo>
+                <a:lnTo>
+                  <a:pt x="0" y="120000"/>
+                </a:lnTo>
+                <a:close/>
+              </a:path>
+            </a:pathLst>
+          </a:custGeom>
+        </p:spPr>
+      </p:sp>
+      <p:sp>
+        <p:nvSpPr>
+          <p:cNvPr id="150" name="Shape 150"/>
+          <p:cNvSpPr txBox="1"/>
+          <p:nvPr>
+            <p:ph idx="1" type="body"/>
+          </p:nvPr>
+        </p:nvSpPr>
+        <p:spPr>
+          <a:xfrm>
+            <a:off x="685800" y="4343400"/>
+            <a:ext cx="5486400" cy="4114800"/>
+          </a:xfrm>
+          <a:prstGeom prst="rect">
+            <a:avLst/>
+          </a:prstGeom>
+        </p:spPr>
+        <p:txBody>
+          <a:bodyPr anchorCtr="0" anchor="t" bIns="91425" lIns="91425" rIns="91425" tIns="91425">
+            <a:noAutofit/>
+          </a:bodyPr>
+          <a:lstStyle/>
+          <a:p>
+            <a:pPr lvl="0" rtl="0">
+              <a:spcBef>
+                <a:spcPts val="0"/>
+              </a:spcBef>
+              <a:buNone/>
+            </a:pPr>
+            <a:r>
+              <a:t/>
+            </a:r>
+            <a:endParaRPr/>
+          </a:p>
+        </p:txBody>
+      </p:sp>
+    </p:spTree>
+  </p:cSld>
+  <p:clrMapOvr>
+    <a:masterClrMapping/>
+  </p:clrMapOvr>
+</p:notes>
+</file>
+
+<file path=ppt/notesSlides/notesSlide16.xml><?xml version="1.0" encoding="utf-8"?>
+<p:notes xmlns:a="http://schemas.openxmlformats.org/drawingml/2006/main" xmlns:r="http://schemas.openxmlformats.org/officeDocument/2006/relationships" xmlns:mc="http://schemas.openxmlformats.org/markup-compatibility/2006" xmlns:mv="urn:schemas-microsoft-com:mac:vml" xmlns:p="http://schemas.openxmlformats.org/presentationml/2006/main" xmlns:c="http://schemas.openxmlformats.org/drawingml/2006/chart" xmlns:dgm="http://schemas.openxmlformats.org/drawingml/2006/diagram" xmlns:o="urn:schemas-microsoft-com:office:office" xmlns:v="urn:schemas-microsoft-com:vml" xmlns:pvml="urn:schemas-microsoft-com:office:powerpoint" xmlns:com="http://schemas.openxmlformats.org/drawingml/2006/compatibility" xmlns:p14="http://schemas.microsoft.com/office/powerpoint/2010/main" showMasterPhAnim="0" showMasterSp="0">
+  <p:cSld>
+    <p:spTree>
+      <p:nvGrpSpPr>
+        <p:cNvPr id="155" name="Shape 155"/>
+        <p:cNvGrpSpPr/>
+        <p:nvPr/>
+      </p:nvGrpSpPr>
+      <p:grpSpPr>
+        <a:xfrm>
+          <a:off x="0" y="0"/>
+          <a:ext cx="0" cy="0"/>
+          <a:chOff x="0" y="0"/>
+          <a:chExt cx="0" cy="0"/>
+        </a:xfrm>
+      </p:grpSpPr>
+      <p:sp>
+        <p:nvSpPr>
+          <p:cNvPr id="156" name="Shape 156"/>
+          <p:cNvSpPr/>
+          <p:nvPr>
+            <p:ph idx="2" type="sldImg"/>
+          </p:nvPr>
+        </p:nvSpPr>
+        <p:spPr>
+          <a:xfrm>
+            <a:off x="381300" y="685800"/>
+            <a:ext cx="6096000" cy="3429000"/>
+          </a:xfrm>
+          <a:custGeom>
+            <a:pathLst>
+              <a:path extrusionOk="0" h="120000" w="120000">
+                <a:moveTo>
+                  <a:pt x="0" y="0"/>
+                </a:moveTo>
+                <a:lnTo>
+                  <a:pt x="120000" y="0"/>
+                </a:lnTo>
+                <a:lnTo>
+                  <a:pt x="120000" y="120000"/>
+                </a:lnTo>
+                <a:lnTo>
+                  <a:pt x="0" y="120000"/>
+                </a:lnTo>
+                <a:close/>
+              </a:path>
+            </a:pathLst>
+          </a:custGeom>
+        </p:spPr>
+      </p:sp>
+      <p:sp>
+        <p:nvSpPr>
+          <p:cNvPr id="157" name="Shape 157"/>
+          <p:cNvSpPr txBox="1"/>
+          <p:nvPr>
+            <p:ph idx="1" type="body"/>
+          </p:nvPr>
+        </p:nvSpPr>
+        <p:spPr>
+          <a:xfrm>
+            <a:off x="685800" y="4343400"/>
+            <a:ext cx="5486400" cy="4114800"/>
+          </a:xfrm>
+          <a:prstGeom prst="rect">
+            <a:avLst/>
+          </a:prstGeom>
+        </p:spPr>
+        <p:txBody>
+          <a:bodyPr anchorCtr="0" anchor="t" bIns="91425" lIns="91425" rIns="91425" tIns="91425">
+            <a:noAutofit/>
+          </a:bodyPr>
+          <a:lstStyle/>
+          <a:p>
+            <a:pPr lvl="0" rtl="0">
+              <a:spcBef>
+                <a:spcPts val="0"/>
+              </a:spcBef>
+              <a:buNone/>
+            </a:pPr>
+            <a:r>
+              <a:t/>
+            </a:r>
+            <a:endParaRPr/>
+          </a:p>
+        </p:txBody>
+      </p:sp>
+    </p:spTree>
+  </p:cSld>
+  <p:clrMapOvr>
+    <a:masterClrMapping/>
+  </p:clrMapOvr>
+</p:notes>
+</file>
+
+<file path=ppt/notesSlides/notesSlide17.xml><?xml version="1.0" encoding="utf-8"?>
+<p:notes xmlns:a="http://schemas.openxmlformats.org/drawingml/2006/main" xmlns:r="http://schemas.openxmlformats.org/officeDocument/2006/relationships" xmlns:mc="http://schemas.openxmlformats.org/markup-compatibility/2006" xmlns:mv="urn:schemas-microsoft-com:mac:vml" xmlns:p="http://schemas.openxmlformats.org/presentationml/2006/main" xmlns:c="http://schemas.openxmlformats.org/drawingml/2006/chart" xmlns:dgm="http://schemas.openxmlformats.org/drawingml/2006/diagram" xmlns:o="urn:schemas-microsoft-com:office:office" xmlns:v="urn:schemas-microsoft-com:vml" xmlns:pvml="urn:schemas-microsoft-com:office:powerpoint" xmlns:com="http://schemas.openxmlformats.org/drawingml/2006/compatibility" xmlns:p14="http://schemas.microsoft.com/office/powerpoint/2010/main" showMasterPhAnim="0" showMasterSp="0">
+  <p:cSld>
+    <p:spTree>
+      <p:nvGrpSpPr>
+        <p:cNvPr id="162" name="Shape 162"/>
+        <p:cNvGrpSpPr/>
+        <p:nvPr/>
+      </p:nvGrpSpPr>
+      <p:grpSpPr>
+        <a:xfrm>
+          <a:off x="0" y="0"/>
+          <a:ext cx="0" cy="0"/>
+          <a:chOff x="0" y="0"/>
+          <a:chExt cx="0" cy="0"/>
+        </a:xfrm>
+      </p:grpSpPr>
+      <p:sp>
+        <p:nvSpPr>
+          <p:cNvPr id="163" name="Shape 163"/>
+          <p:cNvSpPr/>
+          <p:nvPr>
+            <p:ph idx="2" type="sldImg"/>
+          </p:nvPr>
+        </p:nvSpPr>
+        <p:spPr>
+          <a:xfrm>
+            <a:off x="381300" y="685800"/>
+            <a:ext cx="6096000" cy="3429000"/>
+          </a:xfrm>
+          <a:custGeom>
+            <a:pathLst>
+              <a:path extrusionOk="0" h="120000" w="120000">
+                <a:moveTo>
+                  <a:pt x="0" y="0"/>
+                </a:moveTo>
+                <a:lnTo>
+                  <a:pt x="120000" y="0"/>
+                </a:lnTo>
+                <a:lnTo>
+                  <a:pt x="120000" y="120000"/>
+                </a:lnTo>
+                <a:lnTo>
+                  <a:pt x="0" y="120000"/>
+                </a:lnTo>
+                <a:close/>
+              </a:path>
+            </a:pathLst>
+          </a:custGeom>
+        </p:spPr>
+      </p:sp>
+      <p:sp>
+        <p:nvSpPr>
+          <p:cNvPr id="164" name="Shape 164"/>
           <p:cNvSpPr txBox="1"/>
           <p:nvPr>
             <p:ph idx="1" type="body"/>
@@ -5036,7 +5612,7 @@
             </a:pPr>
             <a:r>
               <a:rPr lang="en" sz="4800"/>
-              <a:t>“Homework”</a:t>
+              <a:t>Python Basics: Scripting</a:t>
             </a:r>
           </a:p>
         </p:txBody>
@@ -5064,6 +5640,1219 @@
           </a:bodyPr>
           <a:lstStyle/>
           <a:p>
+            <a:pPr indent="-406400" lvl="0" marL="457200" rtl="0">
+              <a:spcBef>
+                <a:spcPts val="0"/>
+              </a:spcBef>
+              <a:buSzPct val="100000"/>
+            </a:pPr>
+            <a:r>
+              <a:rPr lang="en" sz="2800"/>
+              <a:t>Involves making a file and running the file</a:t>
+            </a:r>
+          </a:p>
+          <a:p>
+            <a:pPr indent="-406400" lvl="0" marL="457200" rtl="0">
+              <a:spcBef>
+                <a:spcPts val="0"/>
+              </a:spcBef>
+              <a:buSzPct val="100000"/>
+            </a:pPr>
+            <a:r>
+              <a:rPr lang="en" sz="2800"/>
+              <a:t>Similar operation to interpreter - the Python interpreter still interprets the script - but not an interactive interface</a:t>
+            </a:r>
+          </a:p>
+          <a:p>
+            <a:pPr indent="-406400" lvl="0" marL="457200" rtl="0">
+              <a:spcBef>
+                <a:spcPts val="0"/>
+              </a:spcBef>
+              <a:buSzPct val="100000"/>
+            </a:pPr>
+            <a:r>
+              <a:rPr lang="en" sz="2800"/>
+              <a:t>Unlike other languages, DON’T need:</a:t>
+            </a:r>
+          </a:p>
+          <a:p>
+            <a:pPr indent="-406400" lvl="1" marL="914400" rtl="0">
+              <a:spcBef>
+                <a:spcPts val="0"/>
+              </a:spcBef>
+              <a:buSzPct val="100000"/>
+            </a:pPr>
+            <a:r>
+              <a:rPr lang="en" sz="2800"/>
+              <a:t>Main()</a:t>
+            </a:r>
+          </a:p>
+          <a:p>
+            <a:pPr indent="-406400" lvl="1" marL="914400" rtl="0">
+              <a:spcBef>
+                <a:spcPts val="0"/>
+              </a:spcBef>
+              <a:buSzPct val="100000"/>
+            </a:pPr>
+            <a:r>
+              <a:rPr lang="en" sz="2800"/>
+              <a:t>Functions</a:t>
+            </a:r>
+          </a:p>
+          <a:p>
+            <a:pPr indent="-406400" lvl="1" marL="914400" rtl="0">
+              <a:spcBef>
+                <a:spcPts val="0"/>
+              </a:spcBef>
+              <a:buSzPct val="100000"/>
+            </a:pPr>
+            <a:r>
+              <a:rPr lang="en" sz="2800"/>
+              <a:t>Classes</a:t>
+            </a:r>
+          </a:p>
+        </p:txBody>
+      </p:sp>
+      <p:sp>
+        <p:nvSpPr>
+          <p:cNvPr id="126" name="Shape 126"/>
+          <p:cNvSpPr txBox="1"/>
+          <p:nvPr>
+            <p:ph idx="12" type="sldNum"/>
+          </p:nvPr>
+        </p:nvSpPr>
+        <p:spPr>
+          <a:xfrm>
+            <a:off x="8472457" y="4663216"/>
+            <a:ext cx="548700" cy="393600"/>
+          </a:xfrm>
+          <a:prstGeom prst="rect">
+            <a:avLst/>
+          </a:prstGeom>
+        </p:spPr>
+        <p:txBody>
+          <a:bodyPr anchorCtr="0" anchor="ctr" bIns="91425" lIns="91425" rIns="91425" tIns="91425">
+            <a:noAutofit/>
+          </a:bodyPr>
+          <a:lstStyle/>
+          <a:p>
+            <a:pPr lvl="0" rtl="0">
+              <a:spcBef>
+                <a:spcPts val="0"/>
+              </a:spcBef>
+              <a:buNone/>
+            </a:pPr>
+            <a:fld id="{00000000-1234-1234-1234-123412341234}" type="slidenum">
+              <a:rPr lang="en"/>
+              <a:t>‹#›</a:t>
+            </a:fld>
+          </a:p>
+        </p:txBody>
+      </p:sp>
+    </p:spTree>
+  </p:cSld>
+  <p:clrMapOvr>
+    <a:masterClrMapping/>
+  </p:clrMapOvr>
+</p:sld>
+</file>
+
+<file path=ppt/slides/slide12.xml><?xml version="1.0" encoding="utf-8"?>
+<p:sld xmlns:a="http://schemas.openxmlformats.org/drawingml/2006/main" xmlns:r="http://schemas.openxmlformats.org/officeDocument/2006/relationships" xmlns:mc="http://schemas.openxmlformats.org/markup-compatibility/2006" xmlns:mv="urn:schemas-microsoft-com:mac:vml" xmlns:p="http://schemas.openxmlformats.org/presentationml/2006/main" xmlns:c="http://schemas.openxmlformats.org/drawingml/2006/chart" xmlns:dgm="http://schemas.openxmlformats.org/drawingml/2006/diagram" xmlns:o="urn:schemas-microsoft-com:office:office" xmlns:v="urn:schemas-microsoft-com:vml" xmlns:pvml="urn:schemas-microsoft-com:office:powerpoint" xmlns:com="http://schemas.openxmlformats.org/drawingml/2006/compatibility" xmlns:p14="http://schemas.microsoft.com/office/powerpoint/2010/main">
+  <p:cSld>
+    <p:spTree>
+      <p:nvGrpSpPr>
+        <p:cNvPr id="130" name="Shape 130"/>
+        <p:cNvGrpSpPr/>
+        <p:nvPr/>
+      </p:nvGrpSpPr>
+      <p:grpSpPr>
+        <a:xfrm>
+          <a:off x="0" y="0"/>
+          <a:ext cx="0" cy="0"/>
+          <a:chOff x="0" y="0"/>
+          <a:chExt cx="0" cy="0"/>
+        </a:xfrm>
+      </p:grpSpPr>
+      <p:sp>
+        <p:nvSpPr>
+          <p:cNvPr id="131" name="Shape 131"/>
+          <p:cNvSpPr txBox="1"/>
+          <p:nvPr>
+            <p:ph type="title"/>
+          </p:nvPr>
+        </p:nvSpPr>
+        <p:spPr>
+          <a:xfrm>
+            <a:off x="311700" y="174300"/>
+            <a:ext cx="8520600" cy="843300"/>
+          </a:xfrm>
+          <a:prstGeom prst="rect">
+            <a:avLst/>
+          </a:prstGeom>
+        </p:spPr>
+        <p:txBody>
+          <a:bodyPr anchorCtr="0" anchor="t" bIns="91425" lIns="91425" rIns="91425" tIns="91425">
+            <a:noAutofit/>
+          </a:bodyPr>
+          <a:lstStyle/>
+          <a:p>
+            <a:pPr lvl="0" rtl="0">
+              <a:spcBef>
+                <a:spcPts val="0"/>
+              </a:spcBef>
+              <a:buNone/>
+            </a:pPr>
+            <a:r>
+              <a:rPr lang="en" sz="4800"/>
+              <a:t>Python Basics: I/O </a:t>
+            </a:r>
+          </a:p>
+        </p:txBody>
+      </p:sp>
+      <p:sp>
+        <p:nvSpPr>
+          <p:cNvPr id="132" name="Shape 132"/>
+          <p:cNvSpPr txBox="1"/>
+          <p:nvPr>
+            <p:ph idx="1" type="body"/>
+          </p:nvPr>
+        </p:nvSpPr>
+        <p:spPr>
+          <a:xfrm>
+            <a:off x="311700" y="1152475"/>
+            <a:ext cx="8520600" cy="3644400"/>
+          </a:xfrm>
+          <a:prstGeom prst="rect">
+            <a:avLst/>
+          </a:prstGeom>
+        </p:spPr>
+        <p:txBody>
+          <a:bodyPr anchorCtr="0" anchor="t" bIns="91425" lIns="91425" rIns="91425" tIns="91425">
+            <a:noAutofit/>
+          </a:bodyPr>
+          <a:lstStyle/>
+          <a:p>
+            <a:pPr indent="0" lvl="0" marL="0" rtl="0">
+              <a:spcBef>
+                <a:spcPts val="0"/>
+              </a:spcBef>
+              <a:buNone/>
+            </a:pPr>
+            <a:r>
+              <a:rPr lang="en" sz="2800"/>
+              <a:t>Many types of input:</a:t>
+            </a:r>
+          </a:p>
+          <a:p>
+            <a:pPr indent="-406400" lvl="0" marL="457200" rtl="0">
+              <a:spcBef>
+                <a:spcPts val="0"/>
+              </a:spcBef>
+              <a:buSzPct val="100000"/>
+              <a:buFont typeface="Consolas"/>
+            </a:pPr>
+            <a:r>
+              <a:rPr lang="en" sz="2800">
+                <a:latin typeface="Consolas"/>
+                <a:ea typeface="Consolas"/>
+                <a:cs typeface="Consolas"/>
+                <a:sym typeface="Consolas"/>
+              </a:rPr>
+              <a:t>input()</a:t>
+            </a:r>
+          </a:p>
+          <a:p>
+            <a:pPr indent="-406400" lvl="0" marL="457200" rtl="0">
+              <a:spcBef>
+                <a:spcPts val="0"/>
+              </a:spcBef>
+              <a:buSzPct val="100000"/>
+              <a:buFont typeface="Consolas"/>
+            </a:pPr>
+            <a:r>
+              <a:rPr lang="en" sz="2800">
+                <a:latin typeface="Consolas"/>
+                <a:ea typeface="Consolas"/>
+                <a:cs typeface="Consolas"/>
+                <a:sym typeface="Consolas"/>
+              </a:rPr>
+              <a:t>open(“filename”, “mode”)</a:t>
+            </a:r>
+          </a:p>
+          <a:p>
+            <a:pPr indent="-406400" lvl="1" marL="914400" rtl="0">
+              <a:spcBef>
+                <a:spcPts val="0"/>
+              </a:spcBef>
+              <a:buSzPct val="100000"/>
+              <a:buFont typeface="Consolas"/>
+            </a:pPr>
+            <a:r>
+              <a:rPr lang="en" sz="2800">
+                <a:latin typeface="Consolas"/>
+                <a:ea typeface="Consolas"/>
+                <a:cs typeface="Consolas"/>
+                <a:sym typeface="Consolas"/>
+              </a:rPr>
+              <a:t>file.read()</a:t>
+            </a:r>
+          </a:p>
+          <a:p>
+            <a:pPr indent="-406400" lvl="0" marL="457200" rtl="0">
+              <a:spcBef>
+                <a:spcPts val="0"/>
+              </a:spcBef>
+              <a:buSzPct val="100000"/>
+              <a:buFont typeface="Consolas"/>
+            </a:pPr>
+            <a:r>
+              <a:rPr lang="en" sz="2800">
+                <a:latin typeface="Consolas"/>
+                <a:ea typeface="Consolas"/>
+                <a:cs typeface="Consolas"/>
+                <a:sym typeface="Consolas"/>
+              </a:rPr>
+              <a:t>w</a:t>
+            </a:r>
+            <a:r>
+              <a:rPr lang="en" sz="2800">
+                <a:latin typeface="Consolas"/>
+                <a:ea typeface="Consolas"/>
+                <a:cs typeface="Consolas"/>
+                <a:sym typeface="Consolas"/>
+              </a:rPr>
+              <a:t>ith open() as csvfile: …</a:t>
+            </a:r>
+          </a:p>
+          <a:p>
+            <a:pPr indent="-406400" lvl="1" marL="914400" rtl="0">
+              <a:spcBef>
+                <a:spcPts val="0"/>
+              </a:spcBef>
+              <a:buSzPct val="100000"/>
+              <a:buFont typeface="Consolas"/>
+            </a:pPr>
+            <a:r>
+              <a:rPr lang="en" sz="2800">
+                <a:latin typeface="Consolas"/>
+                <a:ea typeface="Consolas"/>
+                <a:cs typeface="Consolas"/>
+                <a:sym typeface="Consolas"/>
+              </a:rPr>
+              <a:t>csv.readrow()</a:t>
+            </a:r>
+          </a:p>
+          <a:p>
+            <a:pPr indent="0" lvl="0" marL="0" rtl="0">
+              <a:spcBef>
+                <a:spcPts val="0"/>
+              </a:spcBef>
+              <a:buNone/>
+            </a:pPr>
+            <a:r>
+              <a:t/>
+            </a:r>
+            <a:endParaRPr sz="2800"/>
+          </a:p>
+        </p:txBody>
+      </p:sp>
+      <p:sp>
+        <p:nvSpPr>
+          <p:cNvPr id="133" name="Shape 133"/>
+          <p:cNvSpPr txBox="1"/>
+          <p:nvPr>
+            <p:ph idx="12" type="sldNum"/>
+          </p:nvPr>
+        </p:nvSpPr>
+        <p:spPr>
+          <a:xfrm>
+            <a:off x="8472457" y="4663216"/>
+            <a:ext cx="548700" cy="393600"/>
+          </a:xfrm>
+          <a:prstGeom prst="rect">
+            <a:avLst/>
+          </a:prstGeom>
+        </p:spPr>
+        <p:txBody>
+          <a:bodyPr anchorCtr="0" anchor="ctr" bIns="91425" lIns="91425" rIns="91425" tIns="91425">
+            <a:noAutofit/>
+          </a:bodyPr>
+          <a:lstStyle/>
+          <a:p>
+            <a:pPr lvl="0" rtl="0">
+              <a:spcBef>
+                <a:spcPts val="0"/>
+              </a:spcBef>
+              <a:buNone/>
+            </a:pPr>
+            <a:fld id="{00000000-1234-1234-1234-123412341234}" type="slidenum">
+              <a:rPr lang="en"/>
+              <a:t>‹#›</a:t>
+            </a:fld>
+          </a:p>
+        </p:txBody>
+      </p:sp>
+    </p:spTree>
+  </p:cSld>
+  <p:clrMapOvr>
+    <a:masterClrMapping/>
+  </p:clrMapOvr>
+</p:sld>
+</file>
+
+<file path=ppt/slides/slide13.xml><?xml version="1.0" encoding="utf-8"?>
+<p:sld xmlns:a="http://schemas.openxmlformats.org/drawingml/2006/main" xmlns:r="http://schemas.openxmlformats.org/officeDocument/2006/relationships" xmlns:mc="http://schemas.openxmlformats.org/markup-compatibility/2006" xmlns:mv="urn:schemas-microsoft-com:mac:vml" xmlns:p="http://schemas.openxmlformats.org/presentationml/2006/main" xmlns:c="http://schemas.openxmlformats.org/drawingml/2006/chart" xmlns:dgm="http://schemas.openxmlformats.org/drawingml/2006/diagram" xmlns:o="urn:schemas-microsoft-com:office:office" xmlns:v="urn:schemas-microsoft-com:vml" xmlns:pvml="urn:schemas-microsoft-com:office:powerpoint" xmlns:com="http://schemas.openxmlformats.org/drawingml/2006/compatibility" xmlns:p14="http://schemas.microsoft.com/office/powerpoint/2010/main">
+  <p:cSld>
+    <p:spTree>
+      <p:nvGrpSpPr>
+        <p:cNvPr id="137" name="Shape 137"/>
+        <p:cNvGrpSpPr/>
+        <p:nvPr/>
+      </p:nvGrpSpPr>
+      <p:grpSpPr>
+        <a:xfrm>
+          <a:off x="0" y="0"/>
+          <a:ext cx="0" cy="0"/>
+          <a:chOff x="0" y="0"/>
+          <a:chExt cx="0" cy="0"/>
+        </a:xfrm>
+      </p:grpSpPr>
+      <p:sp>
+        <p:nvSpPr>
+          <p:cNvPr id="138" name="Shape 138"/>
+          <p:cNvSpPr txBox="1"/>
+          <p:nvPr>
+            <p:ph type="title"/>
+          </p:nvPr>
+        </p:nvSpPr>
+        <p:spPr>
+          <a:xfrm>
+            <a:off x="311700" y="174300"/>
+            <a:ext cx="8520600" cy="843300"/>
+          </a:xfrm>
+          <a:prstGeom prst="rect">
+            <a:avLst/>
+          </a:prstGeom>
+        </p:spPr>
+        <p:txBody>
+          <a:bodyPr anchorCtr="0" anchor="t" bIns="91425" lIns="91425" rIns="91425" tIns="91425">
+            <a:noAutofit/>
+          </a:bodyPr>
+          <a:lstStyle/>
+          <a:p>
+            <a:pPr lvl="0" rtl="0">
+              <a:spcBef>
+                <a:spcPts val="0"/>
+              </a:spcBef>
+              <a:buNone/>
+            </a:pPr>
+            <a:r>
+              <a:rPr lang="en" sz="4800"/>
+              <a:t>Python Basics: I/O (cont’d)</a:t>
+            </a:r>
+          </a:p>
+        </p:txBody>
+      </p:sp>
+      <p:sp>
+        <p:nvSpPr>
+          <p:cNvPr id="139" name="Shape 139"/>
+          <p:cNvSpPr txBox="1"/>
+          <p:nvPr>
+            <p:ph idx="1" type="body"/>
+          </p:nvPr>
+        </p:nvSpPr>
+        <p:spPr>
+          <a:xfrm>
+            <a:off x="311700" y="1152475"/>
+            <a:ext cx="8520600" cy="3644400"/>
+          </a:xfrm>
+          <a:prstGeom prst="rect">
+            <a:avLst/>
+          </a:prstGeom>
+        </p:spPr>
+        <p:txBody>
+          <a:bodyPr anchorCtr="0" anchor="t" bIns="91425" lIns="91425" rIns="91425" tIns="91425">
+            <a:noAutofit/>
+          </a:bodyPr>
+          <a:lstStyle/>
+          <a:p>
+            <a:pPr lvl="0" rtl="0">
+              <a:spcBef>
+                <a:spcPts val="0"/>
+              </a:spcBef>
+              <a:buNone/>
+            </a:pPr>
+            <a:r>
+              <a:rPr lang="en" sz="2800"/>
+              <a:t>Command line input collected via:</a:t>
+            </a:r>
+          </a:p>
+          <a:p>
+            <a:pPr lvl="0" rtl="0">
+              <a:spcBef>
+                <a:spcPts val="0"/>
+              </a:spcBef>
+              <a:buNone/>
+            </a:pPr>
+            <a:r>
+              <a:rPr lang="en" sz="2800"/>
+              <a:t>	</a:t>
+            </a:r>
+            <a:r>
+              <a:rPr lang="en" sz="2000">
+                <a:latin typeface="Consolas"/>
+                <a:ea typeface="Consolas"/>
+                <a:cs typeface="Consolas"/>
+                <a:sym typeface="Consolas"/>
+              </a:rPr>
+              <a:t>variable = input(“Print this statement then collect: “)</a:t>
+            </a:r>
+          </a:p>
+          <a:p>
+            <a:pPr lvl="0" rtl="0">
+              <a:spcBef>
+                <a:spcPts val="0"/>
+              </a:spcBef>
+              <a:buNone/>
+            </a:pPr>
+            <a:r>
+              <a:rPr lang="en" sz="2800"/>
+              <a:t>Sometimes must cast type:</a:t>
+            </a:r>
+          </a:p>
+          <a:p>
+            <a:pPr lvl="0" rtl="0">
+              <a:spcBef>
+                <a:spcPts val="0"/>
+              </a:spcBef>
+              <a:buNone/>
+            </a:pPr>
+            <a:r>
+              <a:rPr lang="en" sz="2800"/>
+              <a:t>	</a:t>
+            </a:r>
+            <a:r>
+              <a:rPr lang="en" sz="2000">
+                <a:latin typeface="Consolas"/>
+                <a:ea typeface="Consolas"/>
+                <a:cs typeface="Consolas"/>
+                <a:sym typeface="Consolas"/>
+              </a:rPr>
+              <a:t>int_variable = int(input(“Give us a number: “))</a:t>
+            </a:r>
+          </a:p>
+          <a:p>
+            <a:pPr indent="457200" lvl="0" rtl="0">
+              <a:spcBef>
+                <a:spcPts val="0"/>
+              </a:spcBef>
+              <a:buNone/>
+            </a:pPr>
+            <a:r>
+              <a:rPr lang="en" sz="2000">
+                <a:latin typeface="Consolas"/>
+                <a:ea typeface="Consolas"/>
+                <a:cs typeface="Consolas"/>
+                <a:sym typeface="Consolas"/>
+              </a:rPr>
+              <a:t>float_variable = float(input(“Give us a number: “))</a:t>
+            </a:r>
+          </a:p>
+        </p:txBody>
+      </p:sp>
+      <p:sp>
+        <p:nvSpPr>
+          <p:cNvPr id="140" name="Shape 140"/>
+          <p:cNvSpPr txBox="1"/>
+          <p:nvPr>
+            <p:ph idx="12" type="sldNum"/>
+          </p:nvPr>
+        </p:nvSpPr>
+        <p:spPr>
+          <a:xfrm>
+            <a:off x="8472457" y="4663216"/>
+            <a:ext cx="548700" cy="393600"/>
+          </a:xfrm>
+          <a:prstGeom prst="rect">
+            <a:avLst/>
+          </a:prstGeom>
+        </p:spPr>
+        <p:txBody>
+          <a:bodyPr anchorCtr="0" anchor="ctr" bIns="91425" lIns="91425" rIns="91425" tIns="91425">
+            <a:noAutofit/>
+          </a:bodyPr>
+          <a:lstStyle/>
+          <a:p>
+            <a:pPr lvl="0" rtl="0">
+              <a:spcBef>
+                <a:spcPts val="0"/>
+              </a:spcBef>
+              <a:buNone/>
+            </a:pPr>
+            <a:fld id="{00000000-1234-1234-1234-123412341234}" type="slidenum">
+              <a:rPr lang="en"/>
+              <a:t>‹#›</a:t>
+            </a:fld>
+          </a:p>
+        </p:txBody>
+      </p:sp>
+    </p:spTree>
+  </p:cSld>
+  <p:clrMapOvr>
+    <a:masterClrMapping/>
+  </p:clrMapOvr>
+</p:sld>
+</file>
+
+<file path=ppt/slides/slide14.xml><?xml version="1.0" encoding="utf-8"?>
+<p:sld xmlns:a="http://schemas.openxmlformats.org/drawingml/2006/main" xmlns:r="http://schemas.openxmlformats.org/officeDocument/2006/relationships" xmlns:mc="http://schemas.openxmlformats.org/markup-compatibility/2006" xmlns:mv="urn:schemas-microsoft-com:mac:vml" xmlns:p="http://schemas.openxmlformats.org/presentationml/2006/main" xmlns:c="http://schemas.openxmlformats.org/drawingml/2006/chart" xmlns:dgm="http://schemas.openxmlformats.org/drawingml/2006/diagram" xmlns:o="urn:schemas-microsoft-com:office:office" xmlns:v="urn:schemas-microsoft-com:vml" xmlns:pvml="urn:schemas-microsoft-com:office:powerpoint" xmlns:com="http://schemas.openxmlformats.org/drawingml/2006/compatibility" xmlns:p14="http://schemas.microsoft.com/office/powerpoint/2010/main">
+  <p:cSld>
+    <p:spTree>
+      <p:nvGrpSpPr>
+        <p:cNvPr id="144" name="Shape 144"/>
+        <p:cNvGrpSpPr/>
+        <p:nvPr/>
+      </p:nvGrpSpPr>
+      <p:grpSpPr>
+        <a:xfrm>
+          <a:off x="0" y="0"/>
+          <a:ext cx="0" cy="0"/>
+          <a:chOff x="0" y="0"/>
+          <a:chExt cx="0" cy="0"/>
+        </a:xfrm>
+      </p:grpSpPr>
+      <p:sp>
+        <p:nvSpPr>
+          <p:cNvPr id="145" name="Shape 145"/>
+          <p:cNvSpPr txBox="1"/>
+          <p:nvPr>
+            <p:ph type="title"/>
+          </p:nvPr>
+        </p:nvSpPr>
+        <p:spPr>
+          <a:xfrm>
+            <a:off x="311700" y="174300"/>
+            <a:ext cx="8520600" cy="843300"/>
+          </a:xfrm>
+          <a:prstGeom prst="rect">
+            <a:avLst/>
+          </a:prstGeom>
+        </p:spPr>
+        <p:txBody>
+          <a:bodyPr anchorCtr="0" anchor="t" bIns="91425" lIns="91425" rIns="91425" tIns="91425">
+            <a:noAutofit/>
+          </a:bodyPr>
+          <a:lstStyle/>
+          <a:p>
+            <a:pPr lvl="0" rtl="0">
+              <a:spcBef>
+                <a:spcPts val="0"/>
+              </a:spcBef>
+              <a:buNone/>
+            </a:pPr>
+            <a:r>
+              <a:rPr lang="en" sz="4800"/>
+              <a:t>Python Basics: I/O (cont’d)</a:t>
+            </a:r>
+          </a:p>
+        </p:txBody>
+      </p:sp>
+      <p:sp>
+        <p:nvSpPr>
+          <p:cNvPr id="146" name="Shape 146"/>
+          <p:cNvSpPr txBox="1"/>
+          <p:nvPr>
+            <p:ph idx="1" type="body"/>
+          </p:nvPr>
+        </p:nvSpPr>
+        <p:spPr>
+          <a:xfrm>
+            <a:off x="311700" y="1152475"/>
+            <a:ext cx="8520600" cy="3644400"/>
+          </a:xfrm>
+          <a:prstGeom prst="rect">
+            <a:avLst/>
+          </a:prstGeom>
+        </p:spPr>
+        <p:txBody>
+          <a:bodyPr anchorCtr="0" anchor="t" bIns="91425" lIns="91425" rIns="91425" tIns="91425">
+            <a:noAutofit/>
+          </a:bodyPr>
+          <a:lstStyle/>
+          <a:p>
+            <a:pPr lvl="0" rtl="0">
+              <a:spcBef>
+                <a:spcPts val="0"/>
+              </a:spcBef>
+              <a:buNone/>
+            </a:pPr>
+            <a:r>
+              <a:rPr lang="en" sz="2800"/>
+              <a:t>File input collected via:</a:t>
+            </a:r>
+          </a:p>
+          <a:p>
+            <a:pPr lvl="0" rtl="0">
+              <a:spcBef>
+                <a:spcPts val="0"/>
+              </a:spcBef>
+              <a:buNone/>
+            </a:pPr>
+            <a:r>
+              <a:rPr lang="en" sz="2800"/>
+              <a:t>	</a:t>
+            </a:r>
+            <a:r>
+              <a:rPr lang="en" sz="2000">
+                <a:latin typeface="Consolas"/>
+                <a:ea typeface="Consolas"/>
+                <a:cs typeface="Consolas"/>
+                <a:sym typeface="Consolas"/>
+              </a:rPr>
+              <a:t>f</a:t>
+            </a:r>
+            <a:r>
+              <a:rPr lang="en" sz="2000">
+                <a:latin typeface="Consolas"/>
+                <a:ea typeface="Consolas"/>
+                <a:cs typeface="Consolas"/>
+                <a:sym typeface="Consolas"/>
+              </a:rPr>
+              <a:t>ile_reference = open(“filename”, “mode”)</a:t>
+            </a:r>
+          </a:p>
+          <a:p>
+            <a:pPr lvl="0" rtl="0">
+              <a:spcBef>
+                <a:spcPts val="0"/>
+              </a:spcBef>
+              <a:buNone/>
+            </a:pPr>
+            <a:r>
+              <a:rPr lang="en" sz="2800"/>
+              <a:t>Then can write to file:</a:t>
+            </a:r>
+          </a:p>
+          <a:p>
+            <a:pPr lvl="0" rtl="0">
+              <a:spcBef>
+                <a:spcPts val="0"/>
+              </a:spcBef>
+              <a:buNone/>
+            </a:pPr>
+            <a:r>
+              <a:rPr lang="en" sz="2800"/>
+              <a:t>	</a:t>
+            </a:r>
+            <a:r>
+              <a:rPr lang="en" sz="2000">
+                <a:latin typeface="Consolas"/>
+                <a:ea typeface="Consolas"/>
+                <a:cs typeface="Consolas"/>
+                <a:sym typeface="Consolas"/>
+              </a:rPr>
+              <a:t>file_reference.write()</a:t>
+            </a:r>
+          </a:p>
+        </p:txBody>
+      </p:sp>
+      <p:sp>
+        <p:nvSpPr>
+          <p:cNvPr id="147" name="Shape 147"/>
+          <p:cNvSpPr txBox="1"/>
+          <p:nvPr>
+            <p:ph idx="12" type="sldNum"/>
+          </p:nvPr>
+        </p:nvSpPr>
+        <p:spPr>
+          <a:xfrm>
+            <a:off x="8472457" y="4663216"/>
+            <a:ext cx="548700" cy="393600"/>
+          </a:xfrm>
+          <a:prstGeom prst="rect">
+            <a:avLst/>
+          </a:prstGeom>
+        </p:spPr>
+        <p:txBody>
+          <a:bodyPr anchorCtr="0" anchor="ctr" bIns="91425" lIns="91425" rIns="91425" tIns="91425">
+            <a:noAutofit/>
+          </a:bodyPr>
+          <a:lstStyle/>
+          <a:p>
+            <a:pPr lvl="0" rtl="0">
+              <a:spcBef>
+                <a:spcPts val="0"/>
+              </a:spcBef>
+              <a:buNone/>
+            </a:pPr>
+            <a:fld id="{00000000-1234-1234-1234-123412341234}" type="slidenum">
+              <a:rPr lang="en"/>
+              <a:t>‹#›</a:t>
+            </a:fld>
+          </a:p>
+        </p:txBody>
+      </p:sp>
+    </p:spTree>
+  </p:cSld>
+  <p:clrMapOvr>
+    <a:masterClrMapping/>
+  </p:clrMapOvr>
+</p:sld>
+</file>
+
+<file path=ppt/slides/slide15.xml><?xml version="1.0" encoding="utf-8"?>
+<p:sld xmlns:a="http://schemas.openxmlformats.org/drawingml/2006/main" xmlns:r="http://schemas.openxmlformats.org/officeDocument/2006/relationships" xmlns:mc="http://schemas.openxmlformats.org/markup-compatibility/2006" xmlns:mv="urn:schemas-microsoft-com:mac:vml" xmlns:p="http://schemas.openxmlformats.org/presentationml/2006/main" xmlns:c="http://schemas.openxmlformats.org/drawingml/2006/chart" xmlns:dgm="http://schemas.openxmlformats.org/drawingml/2006/diagram" xmlns:o="urn:schemas-microsoft-com:office:office" xmlns:v="urn:schemas-microsoft-com:vml" xmlns:pvml="urn:schemas-microsoft-com:office:powerpoint" xmlns:com="http://schemas.openxmlformats.org/drawingml/2006/compatibility" xmlns:p14="http://schemas.microsoft.com/office/powerpoint/2010/main">
+  <p:cSld>
+    <p:bg>
+      <p:bgPr>
+        <a:solidFill>
+          <a:srgbClr val="FFFFFF"/>
+        </a:solidFill>
+      </p:bgPr>
+    </p:bg>
+    <p:spTree>
+      <p:nvGrpSpPr>
+        <p:cNvPr id="151" name="Shape 151"/>
+        <p:cNvGrpSpPr/>
+        <p:nvPr/>
+      </p:nvGrpSpPr>
+      <p:grpSpPr>
+        <a:xfrm>
+          <a:off x="0" y="0"/>
+          <a:ext cx="0" cy="0"/>
+          <a:chOff x="0" y="0"/>
+          <a:chExt cx="0" cy="0"/>
+        </a:xfrm>
+      </p:grpSpPr>
+      <p:sp>
+        <p:nvSpPr>
+          <p:cNvPr id="152" name="Shape 152"/>
+          <p:cNvSpPr txBox="1"/>
+          <p:nvPr>
+            <p:ph idx="1" type="body"/>
+          </p:nvPr>
+        </p:nvSpPr>
+        <p:spPr>
+          <a:xfrm>
+            <a:off x="268050" y="4622275"/>
+            <a:ext cx="8520600" cy="475500"/>
+          </a:xfrm>
+          <a:prstGeom prst="rect">
+            <a:avLst/>
+          </a:prstGeom>
+        </p:spPr>
+        <p:txBody>
+          <a:bodyPr anchorCtr="0" anchor="t" bIns="91425" lIns="91425" rIns="91425" tIns="91425">
+            <a:noAutofit/>
+          </a:bodyPr>
+          <a:lstStyle/>
+          <a:p>
+            <a:pPr lvl="0" rtl="0">
+              <a:spcBef>
+                <a:spcPts val="0"/>
+              </a:spcBef>
+              <a:buNone/>
+            </a:pPr>
+            <a:r>
+              <a:rPr lang="en" sz="1100"/>
+              <a:t>http://stackoverflow.com/questions/1466000/python-open-built-in-function-difference-between-modes-a-a-w-w-and-r</a:t>
+            </a:r>
+          </a:p>
+        </p:txBody>
+      </p:sp>
+      <p:sp>
+        <p:nvSpPr>
+          <p:cNvPr id="153" name="Shape 153"/>
+          <p:cNvSpPr txBox="1"/>
+          <p:nvPr>
+            <p:ph idx="12" type="sldNum"/>
+          </p:nvPr>
+        </p:nvSpPr>
+        <p:spPr>
+          <a:xfrm>
+            <a:off x="8472457" y="4663216"/>
+            <a:ext cx="548700" cy="393600"/>
+          </a:xfrm>
+          <a:prstGeom prst="rect">
+            <a:avLst/>
+          </a:prstGeom>
+        </p:spPr>
+        <p:txBody>
+          <a:bodyPr anchorCtr="0" anchor="ctr" bIns="91425" lIns="91425" rIns="91425" tIns="91425">
+            <a:noAutofit/>
+          </a:bodyPr>
+          <a:lstStyle/>
+          <a:p>
+            <a:pPr lvl="0" rtl="0">
+              <a:spcBef>
+                <a:spcPts val="0"/>
+              </a:spcBef>
+              <a:buNone/>
+            </a:pPr>
+            <a:fld id="{00000000-1234-1234-1234-123412341234}" type="slidenum">
+              <a:rPr lang="en"/>
+              <a:t>‹#›</a:t>
+            </a:fld>
+          </a:p>
+        </p:txBody>
+      </p:sp>
+      <p:pic>
+        <p:nvPicPr>
+          <p:cNvPr id="154" name="Shape 154"/>
+          <p:cNvPicPr preferRelativeResize="0"/>
+          <p:nvPr/>
+        </p:nvPicPr>
+        <p:blipFill>
+          <a:blip r:embed="rId3">
+            <a:alphaModFix/>
+          </a:blip>
+          <a:stretch>
+            <a:fillRect/>
+          </a:stretch>
+        </p:blipFill>
+        <p:spPr>
+          <a:xfrm>
+            <a:off x="736661" y="141512"/>
+            <a:ext cx="7670674" cy="4555674"/>
+          </a:xfrm>
+          <a:prstGeom prst="rect">
+            <a:avLst/>
+          </a:prstGeom>
+          <a:noFill/>
+          <a:ln>
+            <a:noFill/>
+          </a:ln>
+        </p:spPr>
+      </p:pic>
+    </p:spTree>
+  </p:cSld>
+  <p:clrMapOvr>
+    <a:masterClrMapping/>
+  </p:clrMapOvr>
+</p:sld>
+</file>
+
+<file path=ppt/slides/slide16.xml><?xml version="1.0" encoding="utf-8"?>
+<p:sld xmlns:a="http://schemas.openxmlformats.org/drawingml/2006/main" xmlns:r="http://schemas.openxmlformats.org/officeDocument/2006/relationships" xmlns:mc="http://schemas.openxmlformats.org/markup-compatibility/2006" xmlns:mv="urn:schemas-microsoft-com:mac:vml" xmlns:p="http://schemas.openxmlformats.org/presentationml/2006/main" xmlns:c="http://schemas.openxmlformats.org/drawingml/2006/chart" xmlns:dgm="http://schemas.openxmlformats.org/drawingml/2006/diagram" xmlns:o="urn:schemas-microsoft-com:office:office" xmlns:v="urn:schemas-microsoft-com:vml" xmlns:pvml="urn:schemas-microsoft-com:office:powerpoint" xmlns:com="http://schemas.openxmlformats.org/drawingml/2006/compatibility" xmlns:p14="http://schemas.microsoft.com/office/powerpoint/2010/main">
+  <p:cSld>
+    <p:spTree>
+      <p:nvGrpSpPr>
+        <p:cNvPr id="158" name="Shape 158"/>
+        <p:cNvGrpSpPr/>
+        <p:nvPr/>
+      </p:nvGrpSpPr>
+      <p:grpSpPr>
+        <a:xfrm>
+          <a:off x="0" y="0"/>
+          <a:ext cx="0" cy="0"/>
+          <a:chOff x="0" y="0"/>
+          <a:chExt cx="0" cy="0"/>
+        </a:xfrm>
+      </p:grpSpPr>
+      <p:sp>
+        <p:nvSpPr>
+          <p:cNvPr id="159" name="Shape 159"/>
+          <p:cNvSpPr txBox="1"/>
+          <p:nvPr>
+            <p:ph type="title"/>
+          </p:nvPr>
+        </p:nvSpPr>
+        <p:spPr>
+          <a:xfrm>
+            <a:off x="311700" y="174300"/>
+            <a:ext cx="8520600" cy="843300"/>
+          </a:xfrm>
+          <a:prstGeom prst="rect">
+            <a:avLst/>
+          </a:prstGeom>
+        </p:spPr>
+        <p:txBody>
+          <a:bodyPr anchorCtr="0" anchor="t" bIns="91425" lIns="91425" rIns="91425" tIns="91425">
+            <a:noAutofit/>
+          </a:bodyPr>
+          <a:lstStyle/>
+          <a:p>
+            <a:pPr lvl="0" rtl="0">
+              <a:spcBef>
+                <a:spcPts val="0"/>
+              </a:spcBef>
+              <a:buNone/>
+            </a:pPr>
+            <a:r>
+              <a:rPr lang="en" sz="4800"/>
+              <a:t>Python Basics: I/O (cont’d)</a:t>
+            </a:r>
+          </a:p>
+        </p:txBody>
+      </p:sp>
+      <p:sp>
+        <p:nvSpPr>
+          <p:cNvPr id="160" name="Shape 160"/>
+          <p:cNvSpPr txBox="1"/>
+          <p:nvPr>
+            <p:ph idx="1" type="body"/>
+          </p:nvPr>
+        </p:nvSpPr>
+        <p:spPr>
+          <a:xfrm>
+            <a:off x="311700" y="1152475"/>
+            <a:ext cx="8520600" cy="3644400"/>
+          </a:xfrm>
+          <a:prstGeom prst="rect">
+            <a:avLst/>
+          </a:prstGeom>
+        </p:spPr>
+        <p:txBody>
+          <a:bodyPr anchorCtr="0" anchor="t" bIns="91425" lIns="91425" rIns="91425" tIns="91425">
+            <a:noAutofit/>
+          </a:bodyPr>
+          <a:lstStyle/>
+          <a:p>
+            <a:pPr indent="0" lvl="0" marL="0" rtl="0">
+              <a:spcBef>
+                <a:spcPts val="0"/>
+              </a:spcBef>
+              <a:buNone/>
+            </a:pPr>
+            <a:r>
+              <a:rPr lang="en" sz="2800"/>
+              <a:t>Many types of output:</a:t>
+            </a:r>
+          </a:p>
+          <a:p>
+            <a:pPr indent="-406400" lvl="0" marL="457200" rtl="0">
+              <a:spcBef>
+                <a:spcPts val="0"/>
+              </a:spcBef>
+              <a:buSzPct val="100000"/>
+              <a:buFont typeface="Consolas"/>
+            </a:pPr>
+            <a:r>
+              <a:rPr lang="en" sz="2800">
+                <a:latin typeface="Consolas"/>
+                <a:ea typeface="Consolas"/>
+                <a:cs typeface="Consolas"/>
+                <a:sym typeface="Consolas"/>
+              </a:rPr>
+              <a:t>print()</a:t>
+            </a:r>
+          </a:p>
+          <a:p>
+            <a:pPr indent="-406400" lvl="0" marL="457200" rtl="0">
+              <a:spcBef>
+                <a:spcPts val="0"/>
+              </a:spcBef>
+              <a:buSzPct val="100000"/>
+              <a:buFont typeface="Consolas"/>
+            </a:pPr>
+            <a:r>
+              <a:rPr lang="en" sz="2800">
+                <a:latin typeface="Consolas"/>
+                <a:ea typeface="Consolas"/>
+                <a:cs typeface="Consolas"/>
+                <a:sym typeface="Consolas"/>
+              </a:rPr>
+              <a:t>open(“filename”, “mode”)</a:t>
+            </a:r>
+          </a:p>
+          <a:p>
+            <a:pPr indent="-406400" lvl="1" marL="914400" rtl="0">
+              <a:spcBef>
+                <a:spcPts val="0"/>
+              </a:spcBef>
+              <a:buSzPct val="100000"/>
+              <a:buFont typeface="Consolas"/>
+            </a:pPr>
+            <a:r>
+              <a:rPr lang="en" sz="2800">
+                <a:latin typeface="Consolas"/>
+                <a:ea typeface="Consolas"/>
+                <a:cs typeface="Consolas"/>
+                <a:sym typeface="Consolas"/>
+              </a:rPr>
+              <a:t>file.write()</a:t>
+            </a:r>
+          </a:p>
+          <a:p>
+            <a:pPr indent="-406400" lvl="0" marL="457200" rtl="0">
+              <a:spcBef>
+                <a:spcPts val="0"/>
+              </a:spcBef>
+              <a:buSzPct val="100000"/>
+              <a:buFont typeface="Consolas"/>
+            </a:pPr>
+            <a:r>
+              <a:rPr lang="en" sz="2800">
+                <a:latin typeface="Consolas"/>
+                <a:ea typeface="Consolas"/>
+                <a:cs typeface="Consolas"/>
+                <a:sym typeface="Consolas"/>
+              </a:rPr>
+              <a:t>w</a:t>
+            </a:r>
+            <a:r>
+              <a:rPr lang="en" sz="2800">
+                <a:latin typeface="Consolas"/>
+                <a:ea typeface="Consolas"/>
+                <a:cs typeface="Consolas"/>
+                <a:sym typeface="Consolas"/>
+              </a:rPr>
+              <a:t>ith open() as csvfile: …</a:t>
+            </a:r>
+          </a:p>
+          <a:p>
+            <a:pPr indent="-406400" lvl="1" marL="914400" rtl="0">
+              <a:spcBef>
+                <a:spcPts val="0"/>
+              </a:spcBef>
+              <a:buSzPct val="100000"/>
+              <a:buFont typeface="Consolas"/>
+            </a:pPr>
+            <a:r>
+              <a:rPr lang="en" sz="2800">
+                <a:latin typeface="Consolas"/>
+                <a:ea typeface="Consolas"/>
+                <a:cs typeface="Consolas"/>
+                <a:sym typeface="Consolas"/>
+              </a:rPr>
+              <a:t>csv.writerow()</a:t>
+            </a:r>
+          </a:p>
+          <a:p>
+            <a:pPr indent="0" lvl="0" marL="0" rtl="0">
+              <a:spcBef>
+                <a:spcPts val="0"/>
+              </a:spcBef>
+              <a:buNone/>
+            </a:pPr>
+            <a:r>
+              <a:t/>
+            </a:r>
+            <a:endParaRPr sz="2800"/>
+          </a:p>
+        </p:txBody>
+      </p:sp>
+      <p:sp>
+        <p:nvSpPr>
+          <p:cNvPr id="161" name="Shape 161"/>
+          <p:cNvSpPr txBox="1"/>
+          <p:nvPr>
+            <p:ph idx="12" type="sldNum"/>
+          </p:nvPr>
+        </p:nvSpPr>
+        <p:spPr>
+          <a:xfrm>
+            <a:off x="8472457" y="4663216"/>
+            <a:ext cx="548700" cy="393600"/>
+          </a:xfrm>
+          <a:prstGeom prst="rect">
+            <a:avLst/>
+          </a:prstGeom>
+        </p:spPr>
+        <p:txBody>
+          <a:bodyPr anchorCtr="0" anchor="ctr" bIns="91425" lIns="91425" rIns="91425" tIns="91425">
+            <a:noAutofit/>
+          </a:bodyPr>
+          <a:lstStyle/>
+          <a:p>
+            <a:pPr lvl="0" rtl="0">
+              <a:spcBef>
+                <a:spcPts val="0"/>
+              </a:spcBef>
+              <a:buNone/>
+            </a:pPr>
+            <a:fld id="{00000000-1234-1234-1234-123412341234}" type="slidenum">
+              <a:rPr lang="en"/>
+              <a:t>‹#›</a:t>
+            </a:fld>
+          </a:p>
+        </p:txBody>
+      </p:sp>
+    </p:spTree>
+  </p:cSld>
+  <p:clrMapOvr>
+    <a:masterClrMapping/>
+  </p:clrMapOvr>
+</p:sld>
+</file>
+
+<file path=ppt/slides/slide17.xml><?xml version="1.0" encoding="utf-8"?>
+<p:sld xmlns:a="http://schemas.openxmlformats.org/drawingml/2006/main" xmlns:r="http://schemas.openxmlformats.org/officeDocument/2006/relationships" xmlns:mc="http://schemas.openxmlformats.org/markup-compatibility/2006" xmlns:mv="urn:schemas-microsoft-com:mac:vml" xmlns:p="http://schemas.openxmlformats.org/presentationml/2006/main" xmlns:c="http://schemas.openxmlformats.org/drawingml/2006/chart" xmlns:dgm="http://schemas.openxmlformats.org/drawingml/2006/diagram" xmlns:o="urn:schemas-microsoft-com:office:office" xmlns:v="urn:schemas-microsoft-com:vml" xmlns:pvml="urn:schemas-microsoft-com:office:powerpoint" xmlns:com="http://schemas.openxmlformats.org/drawingml/2006/compatibility" xmlns:p14="http://schemas.microsoft.com/office/powerpoint/2010/main">
+  <p:cSld>
+    <p:spTree>
+      <p:nvGrpSpPr>
+        <p:cNvPr id="165" name="Shape 165"/>
+        <p:cNvGrpSpPr/>
+        <p:nvPr/>
+      </p:nvGrpSpPr>
+      <p:grpSpPr>
+        <a:xfrm>
+          <a:off x="0" y="0"/>
+          <a:ext cx="0" cy="0"/>
+          <a:chOff x="0" y="0"/>
+          <a:chExt cx="0" cy="0"/>
+        </a:xfrm>
+      </p:grpSpPr>
+      <p:sp>
+        <p:nvSpPr>
+          <p:cNvPr id="166" name="Shape 166"/>
+          <p:cNvSpPr txBox="1"/>
+          <p:nvPr>
+            <p:ph type="title"/>
+          </p:nvPr>
+        </p:nvSpPr>
+        <p:spPr>
+          <a:xfrm>
+            <a:off x="311700" y="174300"/>
+            <a:ext cx="8520600" cy="843300"/>
+          </a:xfrm>
+          <a:prstGeom prst="rect">
+            <a:avLst/>
+          </a:prstGeom>
+        </p:spPr>
+        <p:txBody>
+          <a:bodyPr anchorCtr="0" anchor="t" bIns="91425" lIns="91425" rIns="91425" tIns="91425">
+            <a:noAutofit/>
+          </a:bodyPr>
+          <a:lstStyle/>
+          <a:p>
+            <a:pPr lvl="0" rtl="0">
+              <a:spcBef>
+                <a:spcPts val="0"/>
+              </a:spcBef>
+              <a:buNone/>
+            </a:pPr>
+            <a:r>
+              <a:rPr lang="en" sz="4800"/>
+              <a:t>“Homework”</a:t>
+            </a:r>
+          </a:p>
+        </p:txBody>
+      </p:sp>
+      <p:sp>
+        <p:nvSpPr>
+          <p:cNvPr id="167" name="Shape 167"/>
+          <p:cNvSpPr txBox="1"/>
+          <p:nvPr>
+            <p:ph idx="1" type="body"/>
+          </p:nvPr>
+        </p:nvSpPr>
+        <p:spPr>
+          <a:xfrm>
+            <a:off x="311700" y="1152475"/>
+            <a:ext cx="8520600" cy="3644400"/>
+          </a:xfrm>
+          <a:prstGeom prst="rect">
+            <a:avLst/>
+          </a:prstGeom>
+        </p:spPr>
+        <p:txBody>
+          <a:bodyPr anchorCtr="0" anchor="t" bIns="91425" lIns="91425" rIns="91425" tIns="91425">
+            <a:noAutofit/>
+          </a:bodyPr>
+          <a:lstStyle/>
+          <a:p>
             <a:pPr indent="-419100" lvl="0" marL="457200" rtl="0">
               <a:spcBef>
                 <a:spcPts val="0"/>
@@ -5119,7 +6908,7 @@
       </p:sp>
       <p:sp>
         <p:nvSpPr>
-          <p:cNvPr id="126" name="Shape 126"/>
+          <p:cNvPr id="168" name="Shape 168"/>
           <p:cNvSpPr txBox="1"/>
           <p:nvPr>
             <p:ph idx="12" type="sldNum"/>

--- a/26_9_2016/beginners_workshop_3.pptx
+++ b/26_9_2016/beginners_workshop_3.pptx
@@ -5346,7 +5346,7 @@
             </a:pPr>
             <a:r>
               <a:rPr lang="en"/>
-              <a:t>Intermediate Workshop #3</a:t>
+              <a:t>Beginner’s Workshop #3</a:t>
             </a:r>
           </a:p>
           <a:p>
